--- a/docs/songs/way maker.pptx
+++ b/docs/songs/way maker.pptx
@@ -309,7 +309,7 @@
             <a:fld id="{26EA1CF3-4A15-4CBF-9A5A-6A56C368BE71}" type="datetimeFigureOut">
               <a:rPr lang="en-GB" smtClean="0"/>
               <a:pPr/>
-              <a:t>03/10/2022</a:t>
+              <a:t>16/06/2025</a:t>
             </a:fld>
             <a:endParaRPr lang="en-GB"/>
           </a:p>
@@ -476,7 +476,7 @@
             <a:fld id="{26EA1CF3-4A15-4CBF-9A5A-6A56C368BE71}" type="datetimeFigureOut">
               <a:rPr lang="en-GB" smtClean="0"/>
               <a:pPr/>
-              <a:t>03/10/2022</a:t>
+              <a:t>16/06/2025</a:t>
             </a:fld>
             <a:endParaRPr lang="en-GB"/>
           </a:p>
@@ -653,7 +653,7 @@
             <a:fld id="{26EA1CF3-4A15-4CBF-9A5A-6A56C368BE71}" type="datetimeFigureOut">
               <a:rPr lang="en-GB" smtClean="0"/>
               <a:pPr/>
-              <a:t>03/10/2022</a:t>
+              <a:t>16/06/2025</a:t>
             </a:fld>
             <a:endParaRPr lang="en-GB"/>
           </a:p>
@@ -820,7 +820,7 @@
             <a:fld id="{26EA1CF3-4A15-4CBF-9A5A-6A56C368BE71}" type="datetimeFigureOut">
               <a:rPr lang="en-GB" smtClean="0"/>
               <a:pPr/>
-              <a:t>03/10/2022</a:t>
+              <a:t>16/06/2025</a:t>
             </a:fld>
             <a:endParaRPr lang="en-GB"/>
           </a:p>
@@ -1063,7 +1063,7 @@
             <a:fld id="{26EA1CF3-4A15-4CBF-9A5A-6A56C368BE71}" type="datetimeFigureOut">
               <a:rPr lang="en-GB" smtClean="0"/>
               <a:pPr/>
-              <a:t>03/10/2022</a:t>
+              <a:t>16/06/2025</a:t>
             </a:fld>
             <a:endParaRPr lang="en-GB"/>
           </a:p>
@@ -1348,7 +1348,7 @@
             <a:fld id="{26EA1CF3-4A15-4CBF-9A5A-6A56C368BE71}" type="datetimeFigureOut">
               <a:rPr lang="en-GB" smtClean="0"/>
               <a:pPr/>
-              <a:t>03/10/2022</a:t>
+              <a:t>16/06/2025</a:t>
             </a:fld>
             <a:endParaRPr lang="en-GB"/>
           </a:p>
@@ -1767,7 +1767,7 @@
             <a:fld id="{26EA1CF3-4A15-4CBF-9A5A-6A56C368BE71}" type="datetimeFigureOut">
               <a:rPr lang="en-GB" smtClean="0"/>
               <a:pPr/>
-              <a:t>03/10/2022</a:t>
+              <a:t>16/06/2025</a:t>
             </a:fld>
             <a:endParaRPr lang="en-GB"/>
           </a:p>
@@ -1882,7 +1882,7 @@
             <a:fld id="{26EA1CF3-4A15-4CBF-9A5A-6A56C368BE71}" type="datetimeFigureOut">
               <a:rPr lang="en-GB" smtClean="0"/>
               <a:pPr/>
-              <a:t>03/10/2022</a:t>
+              <a:t>16/06/2025</a:t>
             </a:fld>
             <a:endParaRPr lang="en-GB"/>
           </a:p>
@@ -1974,7 +1974,7 @@
             <a:fld id="{26EA1CF3-4A15-4CBF-9A5A-6A56C368BE71}" type="datetimeFigureOut">
               <a:rPr lang="en-GB" smtClean="0"/>
               <a:pPr/>
-              <a:t>03/10/2022</a:t>
+              <a:t>16/06/2025</a:t>
             </a:fld>
             <a:endParaRPr lang="en-GB"/>
           </a:p>
@@ -2248,7 +2248,7 @@
             <a:fld id="{26EA1CF3-4A15-4CBF-9A5A-6A56C368BE71}" type="datetimeFigureOut">
               <a:rPr lang="en-GB" smtClean="0"/>
               <a:pPr/>
-              <a:t>03/10/2022</a:t>
+              <a:t>16/06/2025</a:t>
             </a:fld>
             <a:endParaRPr lang="en-GB"/>
           </a:p>
@@ -2498,7 +2498,7 @@
             <a:fld id="{26EA1CF3-4A15-4CBF-9A5A-6A56C368BE71}" type="datetimeFigureOut">
               <a:rPr lang="en-GB" smtClean="0"/>
               <a:pPr/>
-              <a:t>03/10/2022</a:t>
+              <a:t>16/06/2025</a:t>
             </a:fld>
             <a:endParaRPr lang="en-GB"/>
           </a:p>
@@ -2711,7 +2711,7 @@
             <a:fld id="{26EA1CF3-4A15-4CBF-9A5A-6A56C368BE71}" type="datetimeFigureOut">
               <a:rPr lang="en-GB" smtClean="0"/>
               <a:pPr/>
-              <a:t>03/10/2022</a:t>
+              <a:t>16/06/2025</a:t>
             </a:fld>
             <a:endParaRPr lang="en-GB"/>
           </a:p>
@@ -3254,7 +3254,7 @@
         </p:nvSpPr>
         <p:spPr>
           <a:xfrm>
-            <a:off x="323528" y="188640"/>
+            <a:off x="251520" y="764704"/>
             <a:ext cx="8640960" cy="6480720"/>
           </a:xfrm>
         </p:spPr>
@@ -3265,7 +3265,7 @@
           <a:lstStyle/>
           <a:p>
             <a:r>
-              <a:rPr lang="en-GB" sz="4800" dirty="0">
+              <a:rPr lang="en-GB" sz="3600" dirty="0">
                 <a:solidFill>
                   <a:schemeClr val="bg1"/>
                 </a:solidFill>
@@ -3273,14 +3273,14 @@
               <a:t>You are here moving in our midst</a:t>
             </a:r>
             <a:br>
-              <a:rPr lang="en-GB" sz="4800" dirty="0">
+              <a:rPr lang="en-GB" sz="3600" dirty="0">
                 <a:solidFill>
                   <a:schemeClr val="bg1"/>
                 </a:solidFill>
               </a:rPr>
             </a:br>
             <a:r>
-              <a:rPr lang="en-GB" sz="4800" dirty="0">
+              <a:rPr lang="en-GB" sz="3600" dirty="0">
                 <a:solidFill>
                   <a:schemeClr val="bg1"/>
                 </a:solidFill>
@@ -3288,14 +3288,14 @@
               <a:t>I worship You I worship You</a:t>
             </a:r>
             <a:br>
-              <a:rPr lang="en-GB" sz="4800" dirty="0">
+              <a:rPr lang="en-GB" sz="3600" dirty="0">
                 <a:solidFill>
                   <a:schemeClr val="bg1"/>
                 </a:solidFill>
               </a:rPr>
             </a:br>
             <a:r>
-              <a:rPr lang="en-GB" sz="4800" dirty="0">
+              <a:rPr lang="en-GB" sz="3600" dirty="0">
                 <a:solidFill>
                   <a:schemeClr val="bg1"/>
                 </a:solidFill>
@@ -3303,14 +3303,14 @@
               <a:t>You are here working in this place</a:t>
             </a:r>
             <a:br>
-              <a:rPr lang="en-GB" sz="4800" dirty="0">
+              <a:rPr lang="en-GB" sz="3600" dirty="0">
                 <a:solidFill>
                   <a:schemeClr val="bg1"/>
                 </a:solidFill>
               </a:rPr>
             </a:br>
             <a:r>
-              <a:rPr lang="en-GB" sz="4800" dirty="0">
+              <a:rPr lang="en-GB" sz="3600" dirty="0">
                 <a:solidFill>
                   <a:schemeClr val="bg1"/>
                 </a:solidFill>
@@ -3320,7 +3320,7 @@
           </a:p>
           <a:p>
             <a:r>
-              <a:rPr lang="en-GB" sz="4800" dirty="0">
+              <a:rPr lang="en-GB" sz="3600" dirty="0">
                 <a:solidFill>
                   <a:schemeClr val="bg1"/>
                 </a:solidFill>
@@ -3328,14 +3328,14 @@
               <a:t>(You are) Way Maker Miracle Worker Promise Keeper</a:t>
             </a:r>
             <a:br>
-              <a:rPr lang="en-GB" sz="4800" dirty="0">
+              <a:rPr lang="en-GB" sz="3600" dirty="0">
                 <a:solidFill>
                   <a:schemeClr val="bg1"/>
                 </a:solidFill>
               </a:rPr>
             </a:br>
             <a:r>
-              <a:rPr lang="en-GB" sz="4800" dirty="0">
+              <a:rPr lang="en-GB" sz="3600" dirty="0">
                 <a:solidFill>
                   <a:schemeClr val="bg1"/>
                 </a:solidFill>
@@ -3415,7 +3415,7 @@
         </p:nvSpPr>
         <p:spPr>
           <a:xfrm>
-            <a:off x="323528" y="188640"/>
+            <a:off x="251520" y="692696"/>
             <a:ext cx="8640960" cy="6480720"/>
           </a:xfrm>
         </p:spPr>
@@ -3426,7 +3426,7 @@
           <a:lstStyle/>
           <a:p>
             <a:r>
-              <a:rPr lang="en-GB" sz="4800" dirty="0">
+              <a:rPr lang="en-GB" sz="3600" dirty="0">
                 <a:solidFill>
                   <a:schemeClr val="bg1"/>
                 </a:solidFill>
@@ -3434,7 +3434,7 @@
               <a:t>You are here touching </a:t>
             </a:r>
             <a:r>
-              <a:rPr lang="en-GB" sz="4800" dirty="0" err="1">
+              <a:rPr lang="en-GB" sz="3600" dirty="0" err="1">
                 <a:solidFill>
                   <a:schemeClr val="bg1"/>
                 </a:solidFill>
@@ -3442,7 +3442,7 @@
               <a:t>ev'ry</a:t>
             </a:r>
             <a:r>
-              <a:rPr lang="en-GB" sz="4800" dirty="0">
+              <a:rPr lang="en-GB" sz="3600" dirty="0">
                 <a:solidFill>
                   <a:schemeClr val="bg1"/>
                 </a:solidFill>
@@ -3450,14 +3450,14 @@
               <a:t> heart</a:t>
             </a:r>
             <a:br>
-              <a:rPr lang="en-GB" sz="4800" dirty="0">
+              <a:rPr lang="en-GB" sz="3600" dirty="0">
                 <a:solidFill>
                   <a:schemeClr val="bg1"/>
                 </a:solidFill>
               </a:rPr>
             </a:br>
             <a:r>
-              <a:rPr lang="en-GB" sz="4800" dirty="0">
+              <a:rPr lang="en-GB" sz="3600" dirty="0">
                 <a:solidFill>
                   <a:schemeClr val="bg1"/>
                 </a:solidFill>
@@ -3465,14 +3465,14 @@
               <a:t>I worship You I worship You</a:t>
             </a:r>
             <a:br>
-              <a:rPr lang="en-GB" sz="4800" dirty="0">
+              <a:rPr lang="en-GB" sz="3600" dirty="0">
                 <a:solidFill>
                   <a:schemeClr val="bg1"/>
                 </a:solidFill>
               </a:rPr>
             </a:br>
             <a:r>
-              <a:rPr lang="en-GB" sz="4800" dirty="0">
+              <a:rPr lang="en-GB" sz="3600" dirty="0">
                 <a:solidFill>
                   <a:schemeClr val="bg1"/>
                 </a:solidFill>
@@ -3480,7 +3480,7 @@
               <a:t>You are here healing </a:t>
             </a:r>
             <a:r>
-              <a:rPr lang="en-GB" sz="4800" dirty="0" err="1">
+              <a:rPr lang="en-GB" sz="3600" dirty="0" err="1">
                 <a:solidFill>
                   <a:schemeClr val="bg1"/>
                 </a:solidFill>
@@ -3488,7 +3488,7 @@
               <a:t>ev'ry</a:t>
             </a:r>
             <a:r>
-              <a:rPr lang="en-GB" sz="4800" dirty="0">
+              <a:rPr lang="en-GB" sz="3600" dirty="0">
                 <a:solidFill>
                   <a:schemeClr val="bg1"/>
                 </a:solidFill>
@@ -3496,14 +3496,14 @@
               <a:t> heart</a:t>
             </a:r>
             <a:br>
-              <a:rPr lang="en-GB" sz="4800" dirty="0">
+              <a:rPr lang="en-GB" sz="3600" dirty="0">
                 <a:solidFill>
                   <a:schemeClr val="bg1"/>
                 </a:solidFill>
               </a:rPr>
             </a:br>
             <a:r>
-              <a:rPr lang="en-GB" sz="4800" dirty="0">
+              <a:rPr lang="en-GB" sz="3600" dirty="0">
                 <a:solidFill>
                   <a:schemeClr val="bg1"/>
                 </a:solidFill>
@@ -3513,7 +3513,7 @@
           </a:p>
           <a:p>
             <a:r>
-              <a:rPr lang="en-GB" sz="4800" dirty="0">
+              <a:rPr lang="en-GB" sz="3600" dirty="0">
                 <a:solidFill>
                   <a:schemeClr val="bg1"/>
                 </a:solidFill>
@@ -3521,14 +3521,14 @@
               <a:t>(You are) Way Maker Miracle Worker Promise Keeper</a:t>
             </a:r>
             <a:br>
-              <a:rPr lang="en-GB" sz="4800" dirty="0">
+              <a:rPr lang="en-GB" sz="3600" dirty="0">
                 <a:solidFill>
                   <a:schemeClr val="bg1"/>
                 </a:solidFill>
               </a:rPr>
             </a:br>
             <a:r>
-              <a:rPr lang="en-GB" sz="4800" dirty="0">
+              <a:rPr lang="en-GB" sz="3600" dirty="0">
                 <a:solidFill>
                   <a:schemeClr val="bg1"/>
                 </a:solidFill>
@@ -3608,7 +3608,7 @@
         </p:nvSpPr>
         <p:spPr>
           <a:xfrm>
-            <a:off x="107504" y="0"/>
+            <a:off x="-18616" y="764704"/>
             <a:ext cx="8856984" cy="6669360"/>
           </a:xfrm>
         </p:spPr>
@@ -3619,7 +3619,7 @@
           <a:lstStyle/>
           <a:p>
             <a:r>
-              <a:rPr lang="en-GB" sz="4800" dirty="0">
+              <a:rPr lang="en-GB" sz="3600" dirty="0">
                 <a:solidFill>
                   <a:schemeClr val="bg1"/>
                 </a:solidFill>
@@ -3627,14 +3627,14 @@
               <a:t>You are here turning lives around</a:t>
             </a:r>
             <a:br>
-              <a:rPr lang="en-GB" sz="4800" dirty="0">
+              <a:rPr lang="en-GB" sz="3600" dirty="0">
                 <a:solidFill>
                   <a:schemeClr val="bg1"/>
                 </a:solidFill>
               </a:rPr>
             </a:br>
             <a:r>
-              <a:rPr lang="en-GB" sz="4800" dirty="0">
+              <a:rPr lang="en-GB" sz="3600" dirty="0">
                 <a:solidFill>
                   <a:schemeClr val="bg1"/>
                 </a:solidFill>
@@ -3642,14 +3642,14 @@
               <a:t>I worship You I worship You</a:t>
             </a:r>
             <a:br>
-              <a:rPr lang="en-GB" sz="4800" dirty="0">
+              <a:rPr lang="en-GB" sz="3600" dirty="0">
                 <a:solidFill>
                   <a:schemeClr val="bg1"/>
                 </a:solidFill>
               </a:rPr>
             </a:br>
             <a:r>
-              <a:rPr lang="en-GB" sz="4800" dirty="0">
+              <a:rPr lang="en-GB" sz="3600" dirty="0">
                 <a:solidFill>
                   <a:schemeClr val="bg1"/>
                 </a:solidFill>
@@ -3657,7 +3657,7 @@
               <a:t>You are here mending </a:t>
             </a:r>
             <a:r>
-              <a:rPr lang="en-GB" sz="4800" dirty="0" err="1">
+              <a:rPr lang="en-GB" sz="3600" dirty="0" err="1">
                 <a:solidFill>
                   <a:schemeClr val="bg1"/>
                 </a:solidFill>
@@ -3665,7 +3665,7 @@
               <a:t>ev'ry</a:t>
             </a:r>
             <a:r>
-              <a:rPr lang="en-GB" sz="4800" dirty="0">
+              <a:rPr lang="en-GB" sz="3600" dirty="0">
                 <a:solidFill>
                   <a:schemeClr val="bg1"/>
                 </a:solidFill>
@@ -3673,14 +3673,14 @@
               <a:t> heart</a:t>
             </a:r>
             <a:br>
-              <a:rPr lang="en-GB" sz="4800" dirty="0">
+              <a:rPr lang="en-GB" sz="3600" dirty="0">
                 <a:solidFill>
                   <a:schemeClr val="bg1"/>
                 </a:solidFill>
               </a:rPr>
             </a:br>
             <a:r>
-              <a:rPr lang="en-GB" sz="4800" dirty="0">
+              <a:rPr lang="en-GB" sz="3600" dirty="0">
                 <a:solidFill>
                   <a:schemeClr val="bg1"/>
                 </a:solidFill>
@@ -3690,7 +3690,7 @@
           </a:p>
           <a:p>
             <a:r>
-              <a:rPr lang="en-GB" sz="4800" dirty="0">
+              <a:rPr lang="en-GB" sz="3600" dirty="0">
                 <a:solidFill>
                   <a:schemeClr val="bg1"/>
                 </a:solidFill>
@@ -3698,14 +3698,14 @@
               <a:t>(You are) Way Maker Miracle Worker Promise Keeper</a:t>
             </a:r>
             <a:br>
-              <a:rPr lang="en-GB" sz="4800" dirty="0">
+              <a:rPr lang="en-GB" sz="3600" dirty="0">
                 <a:solidFill>
                   <a:schemeClr val="bg1"/>
                 </a:solidFill>
               </a:rPr>
             </a:br>
             <a:r>
-              <a:rPr lang="en-GB" sz="4800" dirty="0">
+              <a:rPr lang="en-GB" sz="3600" dirty="0">
                 <a:solidFill>
                   <a:schemeClr val="bg1"/>
                 </a:solidFill>
@@ -3785,7 +3785,7 @@
         </p:nvSpPr>
         <p:spPr>
           <a:xfrm>
-            <a:off x="107504" y="0"/>
+            <a:off x="0" y="764704"/>
             <a:ext cx="9036496" cy="6669360"/>
           </a:xfrm>
         </p:spPr>
@@ -3796,7 +3796,7 @@
           <a:lstStyle/>
           <a:p>
             <a:r>
-              <a:rPr lang="en-GB" sz="4600" dirty="0">
+              <a:rPr lang="en-GB" sz="3600" dirty="0">
                 <a:solidFill>
                   <a:schemeClr val="bg1"/>
                 </a:solidFill>
@@ -3805,7 +3805,7 @@
             </a:r>
           </a:p>
           <a:p>
-            <a:endParaRPr lang="en-GB" sz="4600" dirty="0">
+            <a:endParaRPr lang="en-GB" sz="3600" dirty="0">
               <a:solidFill>
                 <a:schemeClr val="bg1"/>
               </a:solidFill>
@@ -3813,7 +3813,7 @@
           </a:p>
           <a:p>
             <a:r>
-              <a:rPr lang="en-GB" sz="4600" dirty="0">
+              <a:rPr lang="en-GB" sz="3600" dirty="0">
                 <a:solidFill>
                   <a:schemeClr val="bg1"/>
                 </a:solidFill>
@@ -3821,14 +3821,14 @@
               <a:t>Even when I don't see it You're working</a:t>
             </a:r>
             <a:br>
-              <a:rPr lang="en-GB" sz="4600" dirty="0">
+              <a:rPr lang="en-GB" sz="3600" dirty="0">
                 <a:solidFill>
                   <a:schemeClr val="bg1"/>
                 </a:solidFill>
               </a:rPr>
             </a:br>
             <a:r>
-              <a:rPr lang="en-GB" sz="4600" dirty="0">
+              <a:rPr lang="en-GB" sz="3600" dirty="0">
                 <a:solidFill>
                   <a:schemeClr val="bg1"/>
                 </a:solidFill>
@@ -3836,21 +3836,21 @@
               <a:t>Even when I don't feel it You're working</a:t>
             </a:r>
             <a:br>
-              <a:rPr lang="en-GB" sz="4600" dirty="0">
+              <a:rPr lang="en-GB" sz="3600" dirty="0">
                 <a:solidFill>
                   <a:schemeClr val="bg1"/>
                 </a:solidFill>
               </a:rPr>
             </a:br>
             <a:br>
-              <a:rPr lang="en-GB" sz="4600" dirty="0">
+              <a:rPr lang="en-GB" sz="3600" dirty="0">
                 <a:solidFill>
                   <a:schemeClr val="bg1"/>
                 </a:solidFill>
               </a:rPr>
             </a:br>
             <a:r>
-              <a:rPr lang="en-GB" sz="4600" dirty="0">
+              <a:rPr lang="en-GB" sz="3600" dirty="0">
                 <a:solidFill>
                   <a:schemeClr val="bg1"/>
                 </a:solidFill>
@@ -3858,13 +3858,13 @@
               <a:t>You never stop You never stop working		    x2</a:t>
             </a:r>
             <a:br>
-              <a:rPr lang="en-GB" sz="4600" dirty="0">
+              <a:rPr lang="en-GB" sz="3600" dirty="0">
                 <a:solidFill>
                   <a:schemeClr val="bg1"/>
                 </a:solidFill>
               </a:rPr>
             </a:br>
-            <a:endParaRPr lang="en-GB" sz="4600" dirty="0">
+            <a:endParaRPr lang="en-GB" sz="3600" dirty="0">
               <a:solidFill>
                 <a:schemeClr val="bg1"/>
               </a:solidFill>
